--- a/Presentation/Presentation.pptx
+++ b/Presentation/Presentation.pptx
@@ -22816,8 +22816,16 @@
                 <a:ea typeface="+mj-ea"/>
                 <a:cs typeface="+mj-cs"/>
               </a:rPr>
-              <a:t>Equipment</a:t>
+              <a:t>Water Filter</a:t>
             </a:r>
+            <a:endParaRPr lang="en-US" kern="1200" dirty="0">
+              <a:solidFill>
+                <a:schemeClr val="tx1"/>
+              </a:solidFill>
+              <a:latin typeface="+mj-lt"/>
+              <a:ea typeface="+mj-ea"/>
+              <a:cs typeface="+mj-cs"/>
+            </a:endParaRPr>
           </a:p>
         </p:txBody>
       </p:sp>
@@ -28840,6 +28848,10 @@
           </a:bodyPr>
           <a:lstStyle/>
           <a:p>
+            <a:pPr>
+              <a:buFont typeface="Wingdings" panose="05000000000000000000" pitchFamily="2" charset="2"/>
+              <a:buChar char="§"/>
+            </a:pPr>
             <a:r>
               <a:rPr lang="en-GB" sz="2000" dirty="0">
                 <a:solidFill>
@@ -28853,6 +28865,10 @@
             </a:r>
           </a:p>
           <a:p>
+            <a:pPr>
+              <a:buFont typeface="Wingdings" panose="05000000000000000000" pitchFamily="2" charset="2"/>
+              <a:buChar char="§"/>
+            </a:pPr>
             <a:r>
               <a:rPr lang="en-GB" sz="2000" dirty="0">
                 <a:solidFill>
@@ -28866,6 +28882,10 @@
             </a:r>
           </a:p>
           <a:p>
+            <a:pPr>
+              <a:buFont typeface="Wingdings" panose="05000000000000000000" pitchFamily="2" charset="2"/>
+              <a:buChar char="§"/>
+            </a:pPr>
             <a:r>
               <a:rPr lang="en-GB" sz="2000" dirty="0">
                 <a:solidFill>
